--- a/Training Material/AWS/2-Cloud Compute with AWS.pptx
+++ b/Training Material/AWS/2-Cloud Compute with AWS.pptx
@@ -17,8 +17,8 @@
     <p:sldId id="414" r:id="rId8"/>
     <p:sldId id="384" r:id="rId9"/>
     <p:sldId id="385" r:id="rId10"/>
-    <p:sldId id="386" r:id="rId11"/>
-    <p:sldId id="392" r:id="rId12"/>
+    <p:sldId id="392" r:id="rId11"/>
+    <p:sldId id="432" r:id="rId12"/>
     <p:sldId id="430" r:id="rId13"/>
     <p:sldId id="388" r:id="rId14"/>
     <p:sldId id="411" r:id="rId15"/>
@@ -2440,7 +2440,7 @@
           <a:p>
             <a:fld id="{F24C8696-F352-4483-B024-265AAB727281}" type="datetime3">
               <a:rPr lang="en-US" smtClean="0"/>
-              <a:t>2 September 2020</a:t>
+              <a:t>9 September 2020</a:t>
             </a:fld>
             <a:endParaRPr/>
           </a:p>
@@ -3611,7 +3611,7 @@
           <a:p>
             <a:fld id="{728B73CA-7B25-45F2-8FDD-B6ED7CFAC09C}" type="datetime3">
               <a:rPr lang="en-US" smtClean="0"/>
-              <a:t>2 September 2020</a:t>
+              <a:t>9 September 2020</a:t>
             </a:fld>
             <a:endParaRPr/>
           </a:p>
@@ -5156,7 +5156,7 @@
           <a:p>
             <a:fld id="{0775BA6D-DEC1-483E-A5BC-A316BCCA2D3F}" type="datetime3">
               <a:rPr lang="en-US" smtClean="0"/>
-              <a:t>2 September 2020</a:t>
+              <a:t>9 September 2020</a:t>
             </a:fld>
             <a:endParaRPr/>
           </a:p>
@@ -6328,7 +6328,7 @@
           <a:p>
             <a:fld id="{8A1485F3-FB6F-4A96-AC64-96A54679E47D}" type="datetime3">
               <a:rPr lang="en-US" smtClean="0"/>
-              <a:t>2 September 2020</a:t>
+              <a:t>9 September 2020</a:t>
             </a:fld>
             <a:endParaRPr/>
           </a:p>
@@ -7581,7 +7581,7 @@
           <a:p>
             <a:fld id="{125F89A0-C27F-4F99-A2E3-4E2C4607CBF6}" type="datetime3">
               <a:rPr lang="en-US" smtClean="0"/>
-              <a:t>2 September 2020</a:t>
+              <a:t>9 September 2020</a:t>
             </a:fld>
             <a:endParaRPr/>
           </a:p>
@@ -8565,7 +8565,7 @@
           <a:p>
             <a:fld id="{21897524-A71B-4436-A1A0-3C8D53D3B95A}" type="datetime3">
               <a:rPr lang="en-US" smtClean="0"/>
-              <a:t>2 September 2020</a:t>
+              <a:t>9 September 2020</a:t>
             </a:fld>
             <a:endParaRPr/>
           </a:p>
@@ -9549,7 +9549,7 @@
           <a:p>
             <a:fld id="{0E1BBF16-5AB2-40F4-B0AD-BDA2AB216BAB}" type="datetime3">
               <a:rPr lang="en-US" smtClean="0"/>
-              <a:t>2 September 2020</a:t>
+              <a:t>9 September 2020</a:t>
             </a:fld>
             <a:endParaRPr/>
           </a:p>
@@ -10533,7 +10533,7 @@
           <a:p>
             <a:fld id="{B675D049-EB29-470C-A573-981FCB3BB8FC}" type="datetime3">
               <a:rPr lang="en-US" smtClean="0"/>
-              <a:t>2 September 2020</a:t>
+              <a:t>9 September 2020</a:t>
             </a:fld>
             <a:endParaRPr/>
           </a:p>
@@ -11824,7 +11824,7 @@
           <a:p>
             <a:fld id="{4634AEC4-75D2-4299-A8FC-4783B30A98B0}" type="datetime3">
               <a:rPr lang="en-US" smtClean="0"/>
-              <a:t>2 September 2020</a:t>
+              <a:t>9 September 2020</a:t>
             </a:fld>
             <a:endParaRPr/>
           </a:p>
@@ -13242,13 +13242,8 @@
           <a:p>
             <a:r>
               <a:rPr lang="en-US" dirty="0"/>
-              <a:t>Hands-on: EC2 </a:t>
-            </a:r>
-            <a:r>
-              <a:rPr lang="en-US" dirty="0" smtClean="0"/>
-              <a:t>AWS CLI</a:t>
-            </a:r>
-            <a:endParaRPr lang="en-US" dirty="0"/>
+              <a:t>Hands-on: Install AWS Command Line Interface</a:t>
+            </a:r>
           </a:p>
         </p:txBody>
       </p:sp>
@@ -13268,43 +13263,65 @@
           <a:lstStyle/>
           <a:p>
             <a:r>
+              <a:rPr lang="en-US" dirty="0" smtClean="0"/>
+              <a:t>A </a:t>
+            </a:r>
+            <a:r>
               <a:rPr lang="en-US" dirty="0"/>
-              <a:t>C</a:t>
+              <a:t>command line tool for managing and administering your Amazon Web </a:t>
             </a:r>
             <a:r>
               <a:rPr lang="en-US" dirty="0" smtClean="0"/>
-              <a:t>an </a:t>
-            </a:r>
+              <a:t>Services</a:t>
+            </a:r>
+          </a:p>
+          <a:p>
             <a:r>
               <a:rPr lang="en-US" dirty="0"/>
-              <a:t>access the features of </a:t>
+              <a:t>Can use it to create scripts for automating your Amazon Web Services</a:t>
             </a:r>
             <a:r>
               <a:rPr lang="en-US" dirty="0" smtClean="0"/>
-              <a:t>Amazon EC2 </a:t>
+              <a:t>.</a:t>
+            </a:r>
+          </a:p>
+          <a:p>
+            <a:r>
+              <a:rPr lang="en-US" dirty="0" smtClean="0"/>
+              <a:t>Installation:</a:t>
+            </a:r>
+            <a:endParaRPr lang="en-US" dirty="0"/>
+          </a:p>
+          <a:p>
+            <a:pPr lvl="1"/>
+            <a:r>
+              <a:rPr lang="en-US" dirty="0" err="1"/>
+              <a:t>sudo</a:t>
             </a:r>
             <a:r>
               <a:rPr lang="en-US" dirty="0"/>
-              <a:t>using </a:t>
+              <a:t> apt-get </a:t>
             </a:r>
             <a:r>
               <a:rPr lang="en-US" dirty="0" smtClean="0"/>
-              <a:t>AWS CLI</a:t>
-            </a:r>
-          </a:p>
-          <a:p>
-            <a:r>
-              <a:rPr lang="en-US" dirty="0" smtClean="0"/>
-              <a:t>To </a:t>
+              <a:t>update</a:t>
+            </a:r>
+          </a:p>
+          <a:p>
+            <a:pPr lvl="1"/>
+            <a:r>
+              <a:rPr lang="en-US" dirty="0" err="1"/>
+              <a:t>sudo</a:t>
             </a:r>
             <a:r>
               <a:rPr lang="en-US" dirty="0"/>
-              <a:t>list the AWS CLI commands for Amazon </a:t>
-            </a:r>
-            <a:r>
-              <a:rPr lang="en-US" dirty="0" smtClean="0"/>
-              <a:t>EC2:</a:t>
-            </a:r>
+              <a:t> apt-get install </a:t>
+            </a:r>
+            <a:r>
+              <a:rPr lang="en-US" dirty="0" err="1" smtClean="0"/>
+              <a:t>awscli</a:t>
+            </a:r>
+            <a:endParaRPr lang="en-US" dirty="0" smtClean="0"/>
           </a:p>
           <a:p>
             <a:pPr lvl="1"/>
@@ -13314,14 +13331,113 @@
             </a:r>
             <a:r>
               <a:rPr lang="en-US" dirty="0"/>
-              <a:t> ec2 </a:t>
+              <a:t> </a:t>
             </a:r>
             <a:r>
               <a:rPr lang="en-US" dirty="0" smtClean="0"/>
-              <a:t>help</a:t>
-            </a:r>
-          </a:p>
-          <a:p>
+              <a:t>–version</a:t>
+            </a:r>
+          </a:p>
+          <a:p>
+            <a:r>
+              <a:rPr lang="en-US" dirty="0"/>
+              <a:t>Login to AWS Account Using AWS CLI</a:t>
+            </a:r>
+            <a:r>
+              <a:rPr lang="en-US" dirty="0" smtClean="0"/>
+              <a:t>:</a:t>
+            </a:r>
+          </a:p>
+          <a:p>
+            <a:pPr lvl="1"/>
+            <a:r>
+              <a:rPr lang="en-US" dirty="0" err="1"/>
+              <a:t>aws</a:t>
+            </a:r>
+            <a:r>
+              <a:rPr lang="en-US" dirty="0"/>
+              <a:t> </a:t>
+            </a:r>
+            <a:r>
+              <a:rPr lang="en-US" dirty="0" smtClean="0"/>
+              <a:t>configure</a:t>
+            </a:r>
+          </a:p>
+          <a:p>
+            <a:pPr lvl="1"/>
+            <a:r>
+              <a:rPr lang="en-US" dirty="0" smtClean="0"/>
+              <a:t>cat </a:t>
+            </a:r>
+            <a:r>
+              <a:rPr lang="en-US" dirty="0"/>
+              <a:t>~/.</a:t>
+            </a:r>
+            <a:r>
+              <a:rPr lang="en-US" dirty="0" err="1"/>
+              <a:t>aws</a:t>
+            </a:r>
+            <a:r>
+              <a:rPr lang="en-US" dirty="0"/>
+              <a:t>/</a:t>
+            </a:r>
+            <a:r>
+              <a:rPr lang="en-US" dirty="0" err="1"/>
+              <a:t>config</a:t>
+            </a:r>
+            <a:endParaRPr lang="en-US" dirty="0" smtClean="0"/>
+          </a:p>
+          <a:p>
+            <a:pPr lvl="1"/>
+            <a:r>
+              <a:rPr lang="en-US" dirty="0"/>
+              <a:t>cat ~/.</a:t>
+            </a:r>
+            <a:r>
+              <a:rPr lang="en-US" dirty="0" err="1" smtClean="0"/>
+              <a:t>aws</a:t>
+            </a:r>
+            <a:r>
+              <a:rPr lang="en-US" dirty="0" smtClean="0"/>
+              <a:t>/credentials</a:t>
+            </a:r>
+          </a:p>
+          <a:p>
+            <a:r>
+              <a:rPr lang="en-US" dirty="0" smtClean="0"/>
+              <a:t>Delete to use different login credentials</a:t>
+            </a:r>
+          </a:p>
+          <a:p>
+            <a:pPr lvl="1"/>
+            <a:r>
+              <a:rPr lang="en-US" dirty="0"/>
+              <a:t>rm -v ~/.</a:t>
+            </a:r>
+            <a:r>
+              <a:rPr lang="en-US" dirty="0" err="1"/>
+              <a:t>aws</a:t>
+            </a:r>
+            <a:r>
+              <a:rPr lang="en-US" dirty="0"/>
+              <a:t>/</a:t>
+            </a:r>
+            <a:r>
+              <a:rPr lang="en-US" dirty="0" err="1"/>
+              <a:t>config</a:t>
+            </a:r>
+            <a:r>
+              <a:rPr lang="en-US" dirty="0"/>
+              <a:t> ~/.</a:t>
+            </a:r>
+            <a:r>
+              <a:rPr lang="en-US" dirty="0" err="1" smtClean="0"/>
+              <a:t>aws</a:t>
+            </a:r>
+            <a:r>
+              <a:rPr lang="en-US" dirty="0" smtClean="0"/>
+              <a:t>/credentials</a:t>
+            </a:r>
             <a:endParaRPr lang="en-US" dirty="0"/>
           </a:p>
         </p:txBody>
@@ -13343,7 +13459,7 @@
           <a:p>
             <a:fld id="{B675D049-EB29-470C-A573-981FCB3BB8FC}" type="datetime3">
               <a:rPr lang="en-US" smtClean="0"/>
-              <a:t>2 September 2020</a:t>
+              <a:t>9 September 2020</a:t>
             </a:fld>
             <a:endParaRPr lang="en-US"/>
           </a:p>
@@ -13404,10 +13520,103 @@
           </a:p>
         </p:txBody>
       </p:sp>
+      <p:sp>
+        <p:nvSpPr>
+          <p:cNvPr id="7" name="Rectangle 6"/>
+          <p:cNvSpPr/>
+          <p:nvPr/>
+        </p:nvSpPr>
+        <p:spPr>
+          <a:xfrm>
+            <a:off x="7717542" y="2506486"/>
+            <a:ext cx="3617863" cy="1569660"/>
+          </a:xfrm>
+          <a:prstGeom prst="rect">
+            <a:avLst/>
+          </a:prstGeom>
+        </p:spPr>
+        <p:txBody>
+          <a:bodyPr wrap="square">
+            <a:spAutoFit/>
+          </a:bodyPr>
+          <a:lstStyle/>
+          <a:p>
+            <a:r>
+              <a:rPr lang="en-US" sz="2400" b="1" u="sng" dirty="0" smtClean="0">
+                <a:latin typeface="Monaco"/>
+              </a:rPr>
+              <a:t>Help</a:t>
+            </a:r>
+          </a:p>
+          <a:p>
+            <a:pPr marL="285750" lvl="2" indent="-285750">
+              <a:buFont typeface="Arial" panose="020B0604020202020204" pitchFamily="34" charset="0"/>
+              <a:buChar char="•"/>
+            </a:pPr>
+            <a:r>
+              <a:rPr lang="en-US" sz="2400" dirty="0" err="1" smtClean="0">
+                <a:latin typeface="Monaco"/>
+              </a:rPr>
+              <a:t>aws</a:t>
+            </a:r>
+            <a:r>
+              <a:rPr lang="en-US" sz="2400" dirty="0">
+                <a:latin typeface="Monaco"/>
+              </a:rPr>
+              <a:t> </a:t>
+            </a:r>
+            <a:r>
+              <a:rPr lang="en-US" sz="2400" dirty="0" smtClean="0">
+                <a:solidFill>
+                  <a:srgbClr val="2060A0"/>
+                </a:solidFill>
+                <a:latin typeface="Monaco"/>
+              </a:rPr>
+              <a:t>help</a:t>
+            </a:r>
+          </a:p>
+          <a:p>
+            <a:pPr marL="285750" lvl="1" indent="-285750">
+              <a:buFont typeface="Arial" panose="020B0604020202020204" pitchFamily="34" charset="0"/>
+              <a:buChar char="•"/>
+            </a:pPr>
+            <a:r>
+              <a:rPr lang="en-US" sz="2400" dirty="0" err="1" smtClean="0"/>
+              <a:t>aws</a:t>
+            </a:r>
+            <a:r>
+              <a:rPr lang="en-US" sz="2400" dirty="0" smtClean="0"/>
+              <a:t> </a:t>
+            </a:r>
+            <a:r>
+              <a:rPr lang="en-US" sz="2400" dirty="0"/>
+              <a:t>ec2 help</a:t>
+            </a:r>
+          </a:p>
+          <a:p>
+            <a:pPr marL="285750" lvl="1" indent="-285750">
+              <a:buFont typeface="Arial" panose="020B0604020202020204" pitchFamily="34" charset="0"/>
+              <a:buChar char="•"/>
+            </a:pPr>
+            <a:r>
+              <a:rPr lang="en-US" sz="2400" dirty="0" err="1" smtClean="0"/>
+              <a:t>aws</a:t>
+            </a:r>
+            <a:r>
+              <a:rPr lang="en-US" sz="2400" dirty="0" smtClean="0"/>
+              <a:t> </a:t>
+            </a:r>
+            <a:r>
+              <a:rPr lang="en-US" sz="2400" dirty="0"/>
+              <a:t>s3 help</a:t>
+            </a:r>
+          </a:p>
+        </p:txBody>
+      </p:sp>
     </p:spTree>
     <p:extLst>
       <p:ext uri="{BB962C8B-B14F-4D97-AF65-F5344CB8AC3E}">
-        <p14:creationId xmlns:p14="http://schemas.microsoft.com/office/powerpoint/2010/main" val="3687916972"/>
+        <p14:creationId xmlns:p14="http://schemas.microsoft.com/office/powerpoint/2010/main" val="1269351327"/>
       </p:ext>
     </p:extLst>
   </p:cSld>
@@ -13458,7 +13667,15 @@
           <a:p>
             <a:r>
               <a:rPr lang="en-US" dirty="0"/>
-              <a:t>Hands-on: Install AWS Command Line Interface</a:t>
+              <a:t>Hands-on: </a:t>
+            </a:r>
+            <a:r>
+              <a:rPr lang="en-US" dirty="0" smtClean="0"/>
+              <a:t>Configure </a:t>
+            </a:r>
+            <a:r>
+              <a:rPr lang="en-US" dirty="0"/>
+              <a:t>AWS Command Line Interface</a:t>
             </a:r>
           </a:p>
         </p:txBody>
@@ -13480,179 +13697,80 @@
           <a:p>
             <a:r>
               <a:rPr lang="en-US" dirty="0" smtClean="0"/>
-              <a:t>A </a:t>
+              <a:t>#</a:t>
             </a:r>
             <a:r>
               <a:rPr lang="en-US" dirty="0"/>
-              <a:t>command line tool for managing and administering your Amazon Web </a:t>
-            </a:r>
-            <a:r>
-              <a:rPr lang="en-US" dirty="0" smtClean="0"/>
-              <a:t>Services</a:t>
-            </a:r>
-          </a:p>
-          <a:p>
-            <a:r>
-              <a:rPr lang="en-US" dirty="0"/>
-              <a:t>Can use it to create scripts for automating your Amazon Web Services</a:t>
-            </a:r>
-            <a:r>
-              <a:rPr lang="en-US" dirty="0" smtClean="0"/>
-              <a:t>.</a:t>
-            </a:r>
-          </a:p>
-          <a:p>
-            <a:r>
-              <a:rPr lang="en-US" dirty="0" smtClean="0"/>
-              <a:t>Installation:</a:t>
-            </a:r>
-            <a:endParaRPr lang="en-US" dirty="0"/>
-          </a:p>
-          <a:p>
-            <a:pPr lvl="1"/>
-            <a:r>
-              <a:rPr lang="en-US" dirty="0" err="1"/>
-              <a:t>sudo</a:t>
-            </a:r>
-            <a:r>
-              <a:rPr lang="en-US" dirty="0"/>
-              <a:t> apt-get </a:t>
-            </a:r>
-            <a:r>
-              <a:rPr lang="en-US" dirty="0" smtClean="0"/>
-              <a:t>update</a:t>
-            </a:r>
-          </a:p>
-          <a:p>
-            <a:pPr lvl="1"/>
-            <a:r>
-              <a:rPr lang="en-US" dirty="0" err="1"/>
-              <a:t>sudo</a:t>
-            </a:r>
-            <a:r>
-              <a:rPr lang="en-US" dirty="0"/>
-              <a:t> apt-get install </a:t>
-            </a:r>
-            <a:r>
-              <a:rPr lang="en-US" dirty="0" err="1" smtClean="0"/>
-              <a:t>awscli</a:t>
-            </a:r>
-            <a:endParaRPr lang="en-US" dirty="0" smtClean="0"/>
-          </a:p>
-          <a:p>
-            <a:pPr lvl="1"/>
+              <a:t>Login to AWS Account Using AWS CLI:</a:t>
+            </a:r>
+          </a:p>
+          <a:p>
             <a:r>
               <a:rPr lang="en-US" dirty="0" err="1"/>
               <a:t>aws</a:t>
             </a:r>
             <a:r>
               <a:rPr lang="en-US" dirty="0"/>
-              <a:t> </a:t>
-            </a:r>
+              <a:t> configure</a:t>
+            </a:r>
+          </a:p>
+          <a:p>
+            <a:endParaRPr lang="en-US" dirty="0" smtClean="0"/>
+          </a:p>
+          <a:p>
             <a:r>
               <a:rPr lang="en-US" dirty="0" smtClean="0"/>
-              <a:t>–version</a:t>
-            </a:r>
-          </a:p>
-          <a:p>
+              <a:t>Specify </a:t>
+            </a:r>
             <a:r>
               <a:rPr lang="en-US" dirty="0"/>
-              <a:t>Login to AWS Account Using AWS CLI</a:t>
+              <a:t>details as below:</a:t>
+            </a:r>
+          </a:p>
+          <a:p>
+            <a:r>
+              <a:rPr lang="en-US" dirty="0"/>
+              <a:t>AWS Access Key ID [None]: </a:t>
             </a:r>
             <a:r>
               <a:rPr lang="en-US" dirty="0" smtClean="0"/>
-              <a:t>:</a:t>
-            </a:r>
-          </a:p>
-          <a:p>
-            <a:pPr lvl="1"/>
-            <a:r>
-              <a:rPr lang="en-US" dirty="0" err="1"/>
-              <a:t>aws</a:t>
-            </a:r>
+              <a:t>&lt;Refer to your User Credentials File&gt;</a:t>
+            </a:r>
+            <a:endParaRPr lang="en-US" dirty="0"/>
+          </a:p>
+          <a:p>
             <a:r>
               <a:rPr lang="en-US" dirty="0"/>
-              <a:t> </a:t>
+              <a:t>AWS Secret Access Key [None]: </a:t>
             </a:r>
             <a:r>
               <a:rPr lang="en-US" dirty="0" smtClean="0"/>
-              <a:t>configure</a:t>
-            </a:r>
-          </a:p>
-          <a:p>
-            <a:pPr lvl="1"/>
+              <a:t>&lt;</a:t>
+            </a:r>
+            <a:r>
+              <a:rPr lang="en-US" dirty="0"/>
+              <a:t> Refer to your User Credentials File </a:t>
+            </a:r>
             <a:r>
               <a:rPr lang="en-US" dirty="0" smtClean="0"/>
-              <a:t>cat </a:t>
-            </a:r>
+              <a:t>&gt;</a:t>
+            </a:r>
+            <a:endParaRPr lang="en-US" dirty="0"/>
+          </a:p>
+          <a:p>
             <a:r>
               <a:rPr lang="en-US" dirty="0"/>
-              <a:t>~/.</a:t>
-            </a:r>
-            <a:r>
-              <a:rPr lang="en-US" dirty="0" err="1"/>
-              <a:t>aws</a:t>
-            </a:r>
+              <a:t>Default region name [None]: us-east-2</a:t>
+            </a:r>
+          </a:p>
+          <a:p>
             <a:r>
               <a:rPr lang="en-US" dirty="0"/>
-              <a:t>/</a:t>
-            </a:r>
-            <a:r>
-              <a:rPr lang="en-US" dirty="0" err="1"/>
-              <a:t>config</a:t>
-            </a:r>
-            <a:endParaRPr lang="en-US" dirty="0" smtClean="0"/>
-          </a:p>
-          <a:p>
-            <a:pPr lvl="1"/>
-            <a:r>
-              <a:rPr lang="en-US" dirty="0"/>
-              <a:t>cat ~/.</a:t>
+              <a:t>Default output format [None]: </a:t>
             </a:r>
             <a:r>
               <a:rPr lang="en-US" dirty="0" err="1" smtClean="0"/>
-              <a:t>aws</a:t>
-            </a:r>
-            <a:r>
-              <a:rPr lang="en-US" dirty="0" smtClean="0"/>
-              <a:t>/credentials</a:t>
-            </a:r>
-          </a:p>
-          <a:p>
-            <a:r>
-              <a:rPr lang="en-US" dirty="0" smtClean="0"/>
-              <a:t>Delete to use different login credentials</a:t>
-            </a:r>
-          </a:p>
-          <a:p>
-            <a:pPr lvl="1"/>
-            <a:r>
-              <a:rPr lang="en-US" dirty="0"/>
-              <a:t>rm -v ~/.</a:t>
-            </a:r>
-            <a:r>
-              <a:rPr lang="en-US" dirty="0" err="1"/>
-              <a:t>aws</a:t>
-            </a:r>
-            <a:r>
-              <a:rPr lang="en-US" dirty="0"/>
-              <a:t>/</a:t>
-            </a:r>
-            <a:r>
-              <a:rPr lang="en-US" dirty="0" err="1"/>
-              <a:t>config</a:t>
-            </a:r>
-            <a:r>
-              <a:rPr lang="en-US" dirty="0"/>
-              <a:t> ~/.</a:t>
-            </a:r>
-            <a:r>
-              <a:rPr lang="en-US" dirty="0" err="1" smtClean="0"/>
-              <a:t>aws</a:t>
-            </a:r>
-            <a:r>
-              <a:rPr lang="en-US" dirty="0" smtClean="0"/>
-              <a:t>/credentials</a:t>
+              <a:t>json</a:t>
             </a:r>
             <a:endParaRPr lang="en-US" dirty="0"/>
           </a:p>
@@ -13675,7 +13793,7 @@
           <a:p>
             <a:fld id="{B675D049-EB29-470C-A573-981FCB3BB8FC}" type="datetime3">
               <a:rPr lang="en-US" smtClean="0"/>
-              <a:t>2 September 2020</a:t>
+              <a:t>9 September 2020</a:t>
             </a:fld>
             <a:endParaRPr lang="en-US"/>
           </a:p>
@@ -13736,103 +13854,10 @@
           </a:p>
         </p:txBody>
       </p:sp>
-      <p:sp>
-        <p:nvSpPr>
-          <p:cNvPr id="7" name="Rectangle 6"/>
-          <p:cNvSpPr/>
-          <p:nvPr/>
-        </p:nvSpPr>
-        <p:spPr>
-          <a:xfrm>
-            <a:off x="7717542" y="2506486"/>
-            <a:ext cx="3617863" cy="1569660"/>
-          </a:xfrm>
-          <a:prstGeom prst="rect">
-            <a:avLst/>
-          </a:prstGeom>
-        </p:spPr>
-        <p:txBody>
-          <a:bodyPr wrap="square">
-            <a:spAutoFit/>
-          </a:bodyPr>
-          <a:lstStyle/>
-          <a:p>
-            <a:r>
-              <a:rPr lang="en-US" sz="2400" b="1" u="sng" dirty="0" smtClean="0">
-                <a:latin typeface="Monaco"/>
-              </a:rPr>
-              <a:t>Help</a:t>
-            </a:r>
-          </a:p>
-          <a:p>
-            <a:pPr marL="285750" lvl="2" indent="-285750">
-              <a:buFont typeface="Arial" panose="020B0604020202020204" pitchFamily="34" charset="0"/>
-              <a:buChar char="•"/>
-            </a:pPr>
-            <a:r>
-              <a:rPr lang="en-US" sz="2400" dirty="0" err="1" smtClean="0">
-                <a:latin typeface="Monaco"/>
-              </a:rPr>
-              <a:t>aws</a:t>
-            </a:r>
-            <a:r>
-              <a:rPr lang="en-US" sz="2400" dirty="0">
-                <a:latin typeface="Monaco"/>
-              </a:rPr>
-              <a:t> </a:t>
-            </a:r>
-            <a:r>
-              <a:rPr lang="en-US" sz="2400" dirty="0" smtClean="0">
-                <a:solidFill>
-                  <a:srgbClr val="2060A0"/>
-                </a:solidFill>
-                <a:latin typeface="Monaco"/>
-              </a:rPr>
-              <a:t>help</a:t>
-            </a:r>
-          </a:p>
-          <a:p>
-            <a:pPr marL="285750" lvl="1" indent="-285750">
-              <a:buFont typeface="Arial" panose="020B0604020202020204" pitchFamily="34" charset="0"/>
-              <a:buChar char="•"/>
-            </a:pPr>
-            <a:r>
-              <a:rPr lang="en-US" sz="2400" dirty="0" err="1" smtClean="0"/>
-              <a:t>aws</a:t>
-            </a:r>
-            <a:r>
-              <a:rPr lang="en-US" sz="2400" dirty="0" smtClean="0"/>
-              <a:t> </a:t>
-            </a:r>
-            <a:r>
-              <a:rPr lang="en-US" sz="2400" dirty="0"/>
-              <a:t>ec2 help</a:t>
-            </a:r>
-          </a:p>
-          <a:p>
-            <a:pPr marL="285750" lvl="1" indent="-285750">
-              <a:buFont typeface="Arial" panose="020B0604020202020204" pitchFamily="34" charset="0"/>
-              <a:buChar char="•"/>
-            </a:pPr>
-            <a:r>
-              <a:rPr lang="en-US" sz="2400" dirty="0" err="1" smtClean="0"/>
-              <a:t>aws</a:t>
-            </a:r>
-            <a:r>
-              <a:rPr lang="en-US" sz="2400" dirty="0" smtClean="0"/>
-              <a:t> </a:t>
-            </a:r>
-            <a:r>
-              <a:rPr lang="en-US" sz="2400" dirty="0"/>
-              <a:t>s3 help</a:t>
-            </a:r>
-          </a:p>
-        </p:txBody>
-      </p:sp>
     </p:spTree>
     <p:extLst>
       <p:ext uri="{BB962C8B-B14F-4D97-AF65-F5344CB8AC3E}">
-        <p14:creationId xmlns:p14="http://schemas.microsoft.com/office/powerpoint/2010/main" val="1269351327"/>
+        <p14:creationId xmlns:p14="http://schemas.microsoft.com/office/powerpoint/2010/main" val="2924323842"/>
       </p:ext>
     </p:extLst>
   </p:cSld>
@@ -13988,7 +14013,7 @@
           <a:p>
             <a:fld id="{B675D049-EB29-470C-A573-981FCB3BB8FC}" type="datetime3">
               <a:rPr lang="en-US" smtClean="0"/>
-              <a:t>2 September 2020</a:t>
+              <a:t>9 September 2020</a:t>
             </a:fld>
             <a:endParaRPr lang="en-US"/>
           </a:p>
@@ -14202,7 +14227,7 @@
           <a:p>
             <a:fld id="{B675D049-EB29-470C-A573-981FCB3BB8FC}" type="datetime3">
               <a:rPr lang="en-US" smtClean="0"/>
-              <a:t>2 September 2020</a:t>
+              <a:t>9 September 2020</a:t>
             </a:fld>
             <a:endParaRPr lang="en-US"/>
           </a:p>
@@ -14446,7 +14471,7 @@
           <a:p>
             <a:fld id="{B675D049-EB29-470C-A573-981FCB3BB8FC}" type="datetime3">
               <a:rPr lang="en-US" smtClean="0"/>
-              <a:t>2 September 2020</a:t>
+              <a:t>9 September 2020</a:t>
             </a:fld>
             <a:endParaRPr lang="en-US"/>
           </a:p>
@@ -14656,7 +14681,7 @@
           <a:p>
             <a:fld id="{B675D049-EB29-470C-A573-981FCB3BB8FC}" type="datetime3">
               <a:rPr lang="en-US" smtClean="0"/>
-              <a:t>2 September 2020</a:t>
+              <a:t>9 September 2020</a:t>
             </a:fld>
             <a:endParaRPr lang="en-US"/>
           </a:p>
@@ -14902,7 +14927,7 @@
           <a:p>
             <a:fld id="{B675D049-EB29-470C-A573-981FCB3BB8FC}" type="datetime3">
               <a:rPr lang="en-US" smtClean="0"/>
-              <a:t>2 September 2020</a:t>
+              <a:t>9 September 2020</a:t>
             </a:fld>
             <a:endParaRPr lang="en-US"/>
           </a:p>
@@ -15107,7 +15132,7 @@
           <a:p>
             <a:fld id="{B675D049-EB29-470C-A573-981FCB3BB8FC}" type="datetime3">
               <a:rPr lang="en-US" smtClean="0"/>
-              <a:t>2 September 2020</a:t>
+              <a:t>9 September 2020</a:t>
             </a:fld>
             <a:endParaRPr lang="en-US"/>
           </a:p>
@@ -15327,7 +15352,7 @@
           <a:p>
             <a:fld id="{B675D049-EB29-470C-A573-981FCB3BB8FC}" type="datetime3">
               <a:rPr lang="en-US" smtClean="0"/>
-              <a:t>2 September 2020</a:t>
+              <a:t>9 September 2020</a:t>
             </a:fld>
             <a:endParaRPr lang="en-US"/>
           </a:p>
@@ -15484,7 +15509,7 @@
           <a:p>
             <a:fld id="{B675D049-EB29-470C-A573-981FCB3BB8FC}" type="datetime3">
               <a:rPr lang="en-US" smtClean="0"/>
-              <a:t>2 September 2020</a:t>
+              <a:t>9 September 2020</a:t>
             </a:fld>
             <a:endParaRPr lang="en-US"/>
           </a:p>
@@ -15690,7 +15715,7 @@
           <a:p>
             <a:fld id="{B675D049-EB29-470C-A573-981FCB3BB8FC}" type="datetime3">
               <a:rPr lang="en-US" smtClean="0"/>
-              <a:t>2 September 2020</a:t>
+              <a:t>9 September 2020</a:t>
             </a:fld>
             <a:endParaRPr lang="en-US"/>
           </a:p>
@@ -15914,7 +15939,7 @@
           <a:p>
             <a:fld id="{B675D049-EB29-470C-A573-981FCB3BB8FC}" type="datetime3">
               <a:rPr lang="en-US" smtClean="0"/>
-              <a:t>2 September 2020</a:t>
+              <a:t>9 September 2020</a:t>
             </a:fld>
             <a:endParaRPr lang="en-US"/>
           </a:p>
@@ -16161,7 +16186,7 @@
           <a:p>
             <a:fld id="{B675D049-EB29-470C-A573-981FCB3BB8FC}" type="datetime3">
               <a:rPr lang="en-US" smtClean="0"/>
-              <a:t>2 September 2020</a:t>
+              <a:t>9 September 2020</a:t>
             </a:fld>
             <a:endParaRPr lang="en-US"/>
           </a:p>
@@ -16374,7 +16399,7 @@
           <a:p>
             <a:fld id="{B675D049-EB29-470C-A573-981FCB3BB8FC}" type="datetime3">
               <a:rPr lang="en-US" smtClean="0"/>
-              <a:t>2 September 2020</a:t>
+              <a:t>9 September 2020</a:t>
             </a:fld>
             <a:endParaRPr lang="en-US"/>
           </a:p>
@@ -16535,7 +16560,7 @@
           <a:p>
             <a:fld id="{B675D049-EB29-470C-A573-981FCB3BB8FC}" type="datetime3">
               <a:rPr lang="en-US" smtClean="0"/>
-              <a:t>2 September 2020</a:t>
+              <a:t>9 September 2020</a:t>
             </a:fld>
             <a:endParaRPr lang="en-US"/>
           </a:p>
@@ -16767,7 +16792,7 @@
           <a:p>
             <a:fld id="{B675D049-EB29-470C-A573-981FCB3BB8FC}" type="datetime3">
               <a:rPr lang="en-US" smtClean="0"/>
-              <a:t>2 September 2020</a:t>
+              <a:t>9 September 2020</a:t>
             </a:fld>
             <a:endParaRPr lang="en-US"/>
           </a:p>
@@ -17082,7 +17107,7 @@
           <a:p>
             <a:fld id="{B675D049-EB29-470C-A573-981FCB3BB8FC}" type="datetime3">
               <a:rPr lang="en-US" smtClean="0"/>
-              <a:t>2 September 2020</a:t>
+              <a:t>9 September 2020</a:t>
             </a:fld>
             <a:endParaRPr lang="en-US"/>
           </a:p>
@@ -17238,7 +17263,7 @@
           <a:p>
             <a:fld id="{B675D049-EB29-470C-A573-981FCB3BB8FC}" type="datetime3">
               <a:rPr lang="en-US" smtClean="0"/>
-              <a:t>2 September 2020</a:t>
+              <a:t>9 September 2020</a:t>
             </a:fld>
             <a:endParaRPr lang="en-US"/>
           </a:p>
@@ -17435,7 +17460,7 @@
           <a:p>
             <a:fld id="{B675D049-EB29-470C-A573-981FCB3BB8FC}" type="datetime3">
               <a:rPr lang="en-US" smtClean="0"/>
-              <a:t>2 September 2020</a:t>
+              <a:t>9 September 2020</a:t>
             </a:fld>
             <a:endParaRPr lang="en-US"/>
           </a:p>
@@ -17632,7 +17657,7 @@
           <a:p>
             <a:fld id="{B675D049-EB29-470C-A573-981FCB3BB8FC}" type="datetime3">
               <a:rPr lang="en-US" smtClean="0"/>
-              <a:t>2 September 2020</a:t>
+              <a:t>9 September 2020</a:t>
             </a:fld>
             <a:endParaRPr lang="en-US"/>
           </a:p>
@@ -17856,7 +17881,7 @@
           <a:p>
             <a:fld id="{B675D049-EB29-470C-A573-981FCB3BB8FC}" type="datetime3">
               <a:rPr lang="en-US" smtClean="0"/>
-              <a:t>2 September 2020</a:t>
+              <a:t>9 September 2020</a:t>
             </a:fld>
             <a:endParaRPr lang="en-US"/>
           </a:p>
@@ -18089,7 +18114,7 @@
           <a:p>
             <a:fld id="{B675D049-EB29-470C-A573-981FCB3BB8FC}" type="datetime3">
               <a:rPr lang="en-US" smtClean="0"/>
-              <a:t>2 September 2020</a:t>
+              <a:t>9 September 2020</a:t>
             </a:fld>
             <a:endParaRPr lang="en-US"/>
           </a:p>
@@ -18245,7 +18270,7 @@
           <a:p>
             <a:fld id="{B675D049-EB29-470C-A573-981FCB3BB8FC}" type="datetime3">
               <a:rPr lang="en-US" smtClean="0"/>
-              <a:t>2 September 2020</a:t>
+              <a:t>9 September 2020</a:t>
             </a:fld>
             <a:endParaRPr lang="en-US"/>
           </a:p>
@@ -18468,7 +18493,7 @@
           <a:p>
             <a:fld id="{B675D049-EB29-470C-A573-981FCB3BB8FC}" type="datetime3">
               <a:rPr lang="en-US" smtClean="0"/>
-              <a:t>2 September 2020</a:t>
+              <a:t>9 September 2020</a:t>
             </a:fld>
             <a:endParaRPr lang="en-US"/>
           </a:p>
@@ -18871,7 +18896,7 @@
           <a:p>
             <a:fld id="{B675D049-EB29-470C-A573-981FCB3BB8FC}" type="datetime3">
               <a:rPr lang="en-US" smtClean="0"/>
-              <a:t>2 September 2020</a:t>
+              <a:t>9 September 2020</a:t>
             </a:fld>
             <a:endParaRPr lang="en-US"/>
           </a:p>
@@ -19027,7 +19052,7 @@
           <a:p>
             <a:fld id="{B675D049-EB29-470C-A573-981FCB3BB8FC}" type="datetime3">
               <a:rPr lang="en-US" smtClean="0"/>
-              <a:t>2 September 2020</a:t>
+              <a:t>9 September 2020</a:t>
             </a:fld>
             <a:endParaRPr lang="en-US"/>
           </a:p>
@@ -19191,7 +19216,7 @@
           <a:p>
             <a:fld id="{B675D049-EB29-470C-A573-981FCB3BB8FC}" type="datetime3">
               <a:rPr lang="en-US" smtClean="0"/>
-              <a:t>2 September 2020</a:t>
+              <a:t>9 September 2020</a:t>
             </a:fld>
             <a:endParaRPr lang="en-US"/>
           </a:p>
@@ -19347,7 +19372,7 @@
           <a:p>
             <a:fld id="{B675D049-EB29-470C-A573-981FCB3BB8FC}" type="datetime3">
               <a:rPr lang="en-US" smtClean="0"/>
-              <a:t>2 September 2020</a:t>
+              <a:t>9 September 2020</a:t>
             </a:fld>
             <a:endParaRPr lang="en-US"/>
           </a:p>
@@ -19631,7 +19656,7 @@
           <a:p>
             <a:fld id="{B675D049-EB29-470C-A573-981FCB3BB8FC}" type="datetime3">
               <a:rPr lang="en-US" smtClean="0"/>
-              <a:t>2 September 2020</a:t>
+              <a:t>9 September 2020</a:t>
             </a:fld>
             <a:endParaRPr lang="en-US"/>
           </a:p>
@@ -19802,7 +19827,7 @@
           <a:p>
             <a:fld id="{B675D049-EB29-470C-A573-981FCB3BB8FC}" type="datetime3">
               <a:rPr lang="en-US" smtClean="0"/>
-              <a:t>2 September 2020</a:t>
+              <a:t>9 September 2020</a:t>
             </a:fld>
             <a:endParaRPr lang="en-US"/>
           </a:p>
@@ -20055,7 +20080,7 @@
           <a:p>
             <a:fld id="{B675D049-EB29-470C-A573-981FCB3BB8FC}" type="datetime3">
               <a:rPr lang="en-US" smtClean="0"/>
-              <a:t>2 September 2020</a:t>
+              <a:t>9 September 2020</a:t>
             </a:fld>
             <a:endParaRPr lang="en-US"/>
           </a:p>
@@ -20285,7 +20310,7 @@
           <a:p>
             <a:fld id="{B675D049-EB29-470C-A573-981FCB3BB8FC}" type="datetime3">
               <a:rPr lang="en-US" smtClean="0"/>
-              <a:t>2 September 2020</a:t>
+              <a:t>9 September 2020</a:t>
             </a:fld>
             <a:endParaRPr lang="en-US"/>
           </a:p>
@@ -20473,7 +20498,7 @@
           <a:p>
             <a:fld id="{B675D049-EB29-470C-A573-981FCB3BB8FC}" type="datetime3">
               <a:rPr lang="en-US" smtClean="0"/>
-              <a:t>2 September 2020</a:t>
+              <a:t>9 September 2020</a:t>
             </a:fld>
             <a:endParaRPr lang="en-US"/>
           </a:p>
@@ -20659,7 +20684,7 @@
           <a:p>
             <a:fld id="{B675D049-EB29-470C-A573-981FCB3BB8FC}" type="datetime3">
               <a:rPr lang="en-US" smtClean="0"/>
-              <a:t>2 September 2020</a:t>
+              <a:t>9 September 2020</a:t>
             </a:fld>
             <a:endParaRPr lang="en-US"/>
           </a:p>
@@ -20824,7 +20849,7 @@
           <a:p>
             <a:fld id="{B675D049-EB29-470C-A573-981FCB3BB8FC}" type="datetime3">
               <a:rPr lang="en-US" smtClean="0"/>
-              <a:t>2 September 2020</a:t>
+              <a:t>9 September 2020</a:t>
             </a:fld>
             <a:endParaRPr lang="en-US"/>
           </a:p>
@@ -21157,7 +21182,7 @@
           <a:p>
             <a:fld id="{B675D049-EB29-470C-A573-981FCB3BB8FC}" type="datetime3">
               <a:rPr lang="en-US" smtClean="0"/>
-              <a:t>2 September 2020</a:t>
+              <a:t>9 September 2020</a:t>
             </a:fld>
             <a:endParaRPr lang="en-US"/>
           </a:p>
@@ -21399,7 +21424,7 @@
           <a:p>
             <a:fld id="{B675D049-EB29-470C-A573-981FCB3BB8FC}" type="datetime3">
               <a:rPr lang="en-US" smtClean="0"/>
-              <a:t>2 September 2020</a:t>
+              <a:t>9 September 2020</a:t>
             </a:fld>
             <a:endParaRPr lang="en-US"/>
           </a:p>
@@ -21614,7 +21639,7 @@
           <a:p>
             <a:fld id="{B675D049-EB29-470C-A573-981FCB3BB8FC}" type="datetime3">
               <a:rPr lang="en-US" smtClean="0"/>
-              <a:t>2 September 2020</a:t>
+              <a:t>9 September 2020</a:t>
             </a:fld>
             <a:endParaRPr lang="en-US"/>
           </a:p>
@@ -21931,7 +21956,7 @@
           <a:p>
             <a:fld id="{B675D049-EB29-470C-A573-981FCB3BB8FC}" type="datetime3">
               <a:rPr lang="en-US" smtClean="0"/>
-              <a:t>2 September 2020</a:t>
+              <a:t>9 September 2020</a:t>
             </a:fld>
             <a:endParaRPr lang="en-US"/>
           </a:p>
@@ -22127,7 +22152,7 @@
           <a:p>
             <a:fld id="{B675D049-EB29-470C-A573-981FCB3BB8FC}" type="datetime3">
               <a:rPr lang="en-US" smtClean="0"/>
-              <a:t>2 September 2020</a:t>
+              <a:t>9 September 2020</a:t>
             </a:fld>
             <a:endParaRPr lang="en-US"/>
           </a:p>
@@ -22239,6 +22264,13 @@
   <p:clrMapOvr>
     <a:masterClrMapping/>
   </p:clrMapOvr>
+  <p:timing>
+    <p:tnLst>
+      <p:par>
+        <p:cTn id="1" dur="indefinite" restart="never" nodeType="tmRoot"/>
+      </p:par>
+    </p:tnLst>
+  </p:timing>
 </p:sld>
 </file>
 
@@ -22371,7 +22403,7 @@
           <a:p>
             <a:fld id="{B675D049-EB29-470C-A573-981FCB3BB8FC}" type="datetime3">
               <a:rPr lang="en-US" smtClean="0"/>
-              <a:t>2 September 2020</a:t>
+              <a:t>9 September 2020</a:t>
             </a:fld>
             <a:endParaRPr lang="en-US"/>
           </a:p>
@@ -22537,7 +22569,7 @@
           <a:p>
             <a:fld id="{B675D049-EB29-470C-A573-981FCB3BB8FC}" type="datetime3">
               <a:rPr lang="en-US" smtClean="0"/>
-              <a:t>2 September 2020</a:t>
+              <a:t>9 September 2020</a:t>
             </a:fld>
             <a:endParaRPr lang="en-US"/>
           </a:p>
@@ -22705,7 +22737,7 @@
           <a:p>
             <a:fld id="{B675D049-EB29-470C-A573-981FCB3BB8FC}" type="datetime3">
               <a:rPr lang="en-US" smtClean="0"/>
-              <a:t>2 September 2020</a:t>
+              <a:t>9 September 2020</a:t>
             </a:fld>
             <a:endParaRPr lang="en-US"/>
           </a:p>

--- a/Training Material/AWS/2-Cloud Compute with AWS.pptx
+++ b/Training Material/AWS/2-Cloud Compute with AWS.pptx
@@ -291,6 +291,98 @@
     </p:ext>
   </p:extLst>
 </p:presentation>
+</file>
+
+<file path=ppt/ink/ink1.xml><?xml version="1.0" encoding="utf-8"?>
+<inkml:ink xmlns:inkml="http://www.w3.org/2003/InkML">
+  <inkml:definitions>
+    <inkml:context xml:id="ctx0">
+      <inkml:inkSource xml:id="inkSrc0">
+        <inkml:traceFormat>
+          <inkml:channel name="X" type="integer" max="1366" units="cm"/>
+          <inkml:channel name="Y" type="integer" max="768" units="cm"/>
+          <inkml:channel name="T" type="integer" max="2.14748E9" units="dev"/>
+        </inkml:traceFormat>
+        <inkml:channelProperties>
+          <inkml:channelProperty channel="X" name="resolution" value="39.7093" units="1/cm"/>
+          <inkml:channelProperty channel="Y" name="resolution" value="39.79275" units="1/cm"/>
+          <inkml:channelProperty channel="T" name="resolution" value="1" units="1/dev"/>
+        </inkml:channelProperties>
+      </inkml:inkSource>
+      <inkml:timestamp xml:id="ts0" timeString="2020-09-09T05:56:31.703"/>
+    </inkml:context>
+    <inkml:brush xml:id="br0">
+      <inkml:brushProperty name="width" value="0.05292" units="cm"/>
+      <inkml:brushProperty name="height" value="0.05292" units="cm"/>
+      <inkml:brushProperty name="color" value="#FF0000"/>
+    </inkml:brush>
+  </inkml:definitions>
+  <inkml:trace contextRef="#ctx0" brushRef="#br0">20836 7193 0,'0'0'0,"-149"174"16,50-50-1,24 50 1,-73-26-16,73-24 0,-24 50 16,0-50-16,74-25 15,-25-24 1,26-1-16,-1 25 0,25-49 16,0 24-16,0-24 15,0 24 1,0-24-1,99 74-15,-25-25 16,-24-49 0,148 49-16,-148-74 15,49 25 1,125 49 0,-51 0-16,-148-99 15,198 25-15,-24-25 16,-75 0-16,74 0 15,-49 0-15,0 0 16,-50 0-16,75-50 16,-50 25-16,24 1 15,51-76 1,-1 76-16,-49-76 0,50 1 16,49-25-16,124-25 15,-174 75 1,-74-25-1,124-50-15,-173 99 0,73-74 16,26 50 0,74-149-1,-173 173-15,-1-25 0,-24 26 16,49-50-16,-50 49 16,-24 0-1,-25 26-15,0-26 16,50 0-1,-50 1 1,0 24 0,-50-49-16,1-1 15,-1 26 1,25-1-16,-24 0 16,24 26-16,-99-26 15,74 0-15,-74-74 16,75 75-16,-26-1 15,-24-24-15,49 49 16,-24-25-16,-25 25 16,24 1-16,-74-51 15,75 75 1,-25-49-16,0 49 0,-1 0 16,-49-25-16,-49 25 15,-124 0 1,173 0-1,0 0-15,-49 0 16,73 0 0,51 0-16,24 0 15,1 0 1,-1 0-16,-24 0 16,49 25-16,25-1 15,-50-24 1,1 25-1,24 0 1,-25 25 0,-74 49-1,50-25-15,24-24 16,-74 74-16,75-74 16,-1-1-16,0 1 15,1-1-15,49-24 16,-25 0-1,-25 0-15,26 0 16,-26-1 15,-24 1 1,-1 25-17,50-50 1,-24 0-1,-26 25-15,26-1 32,-26-24-1,26 0-31,-26 0 16,26 0-16,-26 0 15,26 0 1,-1 0-16,25 0 15,0 0 1,1 0 0,-1 0 62,0 0-63,0 0 1,0 0 0,1 0 46</inkml:trace>
+  <inkml:trace contextRef="#ctx0" brushRef="#br0" timeOffset="2693.1405">5407 7392 0,'25'0'187,"25"0"-171,-25 0 0,-1 0-1,26 0-15</inkml:trace>
+  <inkml:trace contextRef="#ctx0" brushRef="#br0" timeOffset="14469.3393">15280 6375 0,'24'-25'16,"1"25"156,0 0-172,0 0 15,0 0 1,24 25-1,-24 0 1,25-1 0,-1 1-16,-24 0 31,-25 0-15,50 24-16,-25-24 15,-1-25-15,26 0 31,-25 25-15,0-25 62,-1 0-47,1 0-15,0 0 0,0 0-1,0 0 1,-25-25 0,24 25-16,1-25 15,25 1-15,-1-1 16,1 0-1,0-25 1,49-24 0,-50 24-16,76-49 15,-125 74 1,124-24 0,-100 24-1,1 0-15,0 0 16,-25 1-16,25 24 15,0-25-15,-1 0 16,1 0 0,0 0-1,25 1 1,-1 24 0,-24 0 640,0-25-641,49 0 32,-49 0-31,0 25 0,24-50-1,-24 50-15,-25-24 16,25 24-1,25 0 1,-26 0-16</inkml:trace>
+  <inkml:trace contextRef="#ctx0" brushRef="#br0" timeOffset="68222.2505">6127 6598 0,'25'0'0,"24"0"16,-24 0 31,0 0-47,24 0 16,1 50-1,0-50 16,-26 0-15,1 0 0,0 0-1,0 0 1,0 0-16,24 24 16,26-24-1,-51 0-15,26 0 16,-25 0-1,0 0-15,24 0 16,26 25 0,-26-25-1,-24 0-15,25 0 16,49 0-16,-25 0 16,-24 0-16,49 0 15,-24 0 1,-26 0-16,199 0 15,-124 0 1,25 0-16,50 0 16,-75 0-16,24 0 15,-48 0-15,48 0 16,-98 0-16,74 0 16,-50 0-16,-49 0 15,0 0-15,25 0 16,-25 0 15,-1 0-15,76 0-16,-26 0 15,25 0 1,50 0 0,-99 0-1,24 0-15,-49 25 0,0-25 16,-1 0-1,1 0 17,0 0-17,0 0-15,74 0 16,-25 0 0,75 0-16,-49 0 15,48 0-15,-48 0 16,148 0-1,-124 0-15,0 0 16,-50 0-16,-49 0 16,0 0-16,24 0 15,-24 0 1,0 0 15,49 0-31,-49 0 16,25 0-1,24 0-15,1 0 0,-26 0 16,50 0-16,25 0 16,-99 0-16,50 0 15,-26 0-15,1 0 16,-25 0-16,-1 0 16,26 0-1,-25 0 1,0 0-1,74 0 1,50 0 0,-75 0-16,75 0 15,-75 0 1,1 0-16,24 0 16,-25 0-16,1 0 15,-1 0-15,-24 0 16,24 0-16,-49 0 15,50 0 1,-51 0-16,1 0 16,74 0-1,-49 0-15,24 0 16,1 0-16,-26 0 16,51 0-16,-26 0 15,-24 0-15,49 0 16,0 0-1,25 0 1,-99 0-16,99 0 0,-25 0 16,-24 0-16,24 0 15,0 0 1,50 0-16,-50 0 16,50 0-16,-25 0 0,25 0 15,74 0 1,-124 0-1,50 50-15,0-50 16,-25 0-16,25 0 16,-50 0-16,0 0 15,-24 0-15,-1 0 16,50 0-16,-99 0 16,198 24-1,-149-24-15,174 0 16,-74 0-1,74 0 1,-99 0 0,-25 0-16,25 0 0,-50 0 15,-49 25-15,49-25 16,-25 0-16,-24 0 16,0 0-16,-26 0 15,1 0-15,0 0 31,25 0-15,98 0-16,-48 0 16,73 0-1,-24 0-15,25 0 16,24 0-16,25 0 16,-74 0-16,0 0 15,-75 0-15,1 0 16</inkml:trace>
+  <inkml:trace contextRef="#ctx0" brushRef="#br0" timeOffset="69678.5967">20216 6772 0,'25'0'110,"-1"0"-79,26 0 63,-25 0-63,0 0-15,-25 24-1,49-24 1,1 25-16,24 0 16,-24 25-16,-25-25 15,-1-1 1,1-24-1,-25 25 189,-25 0-189,-24 0-15,24 0 16,25-1-1,-50 26 1,26-50-16,-26 25 16,0 0-1,26-25 17</inkml:trace>
+  <inkml:trace contextRef="#ctx0" brushRef="#br0" timeOffset="70748.1787">19993 6474 0,'49'0'31,"1"0"-16,-25 0-15,49 50 16,-24-26 0,-26 1-1,1 0-15,0 0 32,0-25-1,0 25 0,-1-1-15,1 1-16,0-25 15,0 25-15</inkml:trace>
+  <inkml:trace contextRef="#ctx0" brushRef="#br0" timeOffset="73628.1279">20836 8186 0,'0'24'125,"50"-24"-109,-26 0-16,76 0 15,-26 0 1,100 0 0,-100 0-16,75 0 15,-75 0-15,25 0 16,-24 0-16,24 0 16,100-24-1,-125 24 1,0 0-16,50 0 0,25 0 15,0 0-15,25 0 16,247 0 0,-173 0-1,-24 0-15,-26 0 16,25 0-16,-74 0 16,0 0-16,-50-25 0,-24 25 15,-26-25 1</inkml:trace>
+  <inkml:trace contextRef="#ctx0" brushRef="#br0" timeOffset="76644.9218">23292 7193 0,'49'-74'704,"26"24"-704,-51 26 15,76-26-15,-51 0 16,26 26-16,-1-1 15,0 0-15,-24 0 16,0 0-16,-1 0 16,1 1-16,24 24 15,-24 0 1,0-50-16,-1 50 16,26-74-16,-26 74 15,26-50-15,-1 0 16,25 26-16,25-51 15,25 26-15,-74 24 16,123-50-16,-124 51 16,26-26-16,-51 50 15,1-50-15,24 1 16,-49 49-16,25 0 16,-1-25-16,125 0 15,-100-49 1,-24 74-16,49-25 15,0 0-15,25-49 16,-49 49-16,-1 0 16,-24-25-16,99 1 15,-50 24-15,-25 0 16,50-49-16,-99 74 16,49-25-16,-24 0 15,-25 25-15,49-49 16,26 24-16,-26 0 15,-24 0-15,-26 25 16,51-49-16,-26 24 16,-24 0-16,74 25 15,-49-50-15,49 1 16,-74 49-16,25-25 16,-1 25-16,1-25 15,-25 25-15,-1 0 16,26-49-16,49 49 15,-49-25-15,0 25 16,-1 0-16,-24 0 16,0-25 46,24 25-31,51-74-15,-76 74 0,26 0-16,0-25 15,-1 0 1,-24 25-16,0 0 16,0 0-1,49-25 1,-74 0-1,25 25 32,0-24-31,-1 24-16,1 0 16</inkml:trace>
+  <inkml:trace contextRef="#ctx0" brushRef="#br0" timeOffset="81380.8794">9872 8682 0,'0'-25'32,"50"25"-32,-25 0 31,24 0-16,1 0-15,0-25 16,-1 25-16,26 0 16,-26-25-16,1 25 15,24 0-15,-49 0 16,74-49-16,-74 24 16,49 25-1,-49 0 1,25-25-1,-1 25-15,26 0 16,49-25 0,-75-24-16,26 49 15,-50-25-15,24 0 16,-24 25 0,0 0-1,0 0 1,0 0-1,-1 0 1,76-50-16,-76 50 16,1-24-1,50 24 1,-51 0 31,-24-25-32,25 25 79,25 0-78,-25-25-1,24-25 17,-24 50-17,25 0 1,-26 0 0,-24-24 15,25 24-16</inkml:trace>
+</inkml:ink>
+</file>
+
+<file path=ppt/ink/ink2.xml><?xml version="1.0" encoding="utf-8"?>
+<inkml:ink xmlns:inkml="http://www.w3.org/2003/InkML">
+  <inkml:definitions>
+    <inkml:context xml:id="ctx0">
+      <inkml:inkSource xml:id="inkSrc0">
+        <inkml:traceFormat>
+          <inkml:channel name="X" type="integer" max="1366" units="cm"/>
+          <inkml:channel name="Y" type="integer" max="768" units="cm"/>
+          <inkml:channel name="T" type="integer" max="2.14748E9" units="dev"/>
+        </inkml:traceFormat>
+        <inkml:channelProperties>
+          <inkml:channelProperty channel="X" name="resolution" value="39.7093" units="1/cm"/>
+          <inkml:channelProperty channel="Y" name="resolution" value="39.79275" units="1/cm"/>
+          <inkml:channelProperty channel="T" name="resolution" value="1" units="1/dev"/>
+        </inkml:channelProperties>
+      </inkml:inkSource>
+      <inkml:timestamp xml:id="ts0" timeString="2020-09-09T06:19:06.293"/>
+    </inkml:context>
+    <inkml:brush xml:id="br0">
+      <inkml:brushProperty name="width" value="0.05292" units="cm"/>
+      <inkml:brushProperty name="height" value="0.05292" units="cm"/>
+      <inkml:brushProperty name="color" value="#FF0000"/>
+    </inkml:brush>
+  </inkml:definitions>
+  <inkml:trace contextRef="#ctx0" brushRef="#br0">4366 16049 0,'-25'0'94,"25"24"-79,25 51 1,-1-26-1,1 1-15,50 49 16,-26-74 0,1 25-1,-25-50 1,24 0 78,-24 0-79,0 0 1,0 0-16,-1 0 16,26-25-16,74-25 0,-99-49 15,124 0 1,-100 49-1,51-24 1,-76 74-16,1-25 31,74-25 32,-49 1-48,0 24 1,49-74-16,-50 74 16,-24 25-1,-25-25-15</inkml:trace>
+  <inkml:trace contextRef="#ctx0" brushRef="#br0" timeOffset="8311.5492">5110 13866 0,'25'0'141,"-1"0"-110,-24-25-15,25 0-16,0 25 15,0 0-15,0-25 16,-1 1 15,1 24-15,25 0-1,-1-25 1,-24 0 0,25-25-1,-1 50 1,1-24-16,-25 24 0,24-50 16,-24 25-16,0 25 31,0 0 31,0 0-46,24-25 15,1 25 32,0-49-48,-50 24 17,49 25-1,-24 0-31,0-25 31,0 25 16,-1 0-31,1-25-1,0 1 1,0-1-1,0 25 48,-1 0-47,1 0-1,0 0 16,0 0-15,0 0 15,-1 0-15,1 0 0,0 0-1,0 0 1,0 0-1,-1 0-15,1 0 16,0 0 0,0 0-1,0 0-15,24 0 16</inkml:trace>
+  <inkml:trace contextRef="#ctx0" brushRef="#br0" timeOffset="10095.7817">8558 13767 0,'49'0'234,"-24"0"-218,0 0 0,0 0-16,-1 0 15,1 0 1,25 0-16,-25 0 16,24 0-16,-24 0 15,0 0 1,24 0-1,1 24 1,-25 1 15,0-25-15,24 50-16,-24-25 16,0-1-16,25 1 15,-1 25-15,1-25 16,-25-1 15,-1 1-15,-24 0-1,25-25 1,0 25-16,0 0 16,24-1-1,-49 1-15,25 0 16,0-25-16,0 50 31,0-1 172,-25-24-187,49 25-16,-49-25 15,0 49 1,25-49-16</inkml:trace>
+  <inkml:trace contextRef="#ctx0" brushRef="#br0" timeOffset="12399.2456">5755 14784 0,'24'0'32,"1"0"-1,0 0-15,0 0-16,25 0 15,-1 0-15,-24 0 16,0-25-16,24 25 15,26 0 1,-1 0-16,75 0 16,-75 0-16,26 0 15,98 0 1,-99 0-16,75 0 16,-100 0-1,-24 0-15,0-25 16,-1 25-16,1 0 15,-1 0 1,-24 0-16,50 0 16,-51 0-16,1 0 15,50 0 1,-51 0-16,51 0 16,-26 0-1,75 0 1,-49 0-1,74 0-15,-75 0 16,25 0 0,-49 0-1,24 0-15,-24 0 16,0 0 0,-1 0-1,-24 0 1,25 0-1,-26 0-15,1 0 16,0-25 0,0 25-1,0 0 1,-1 0 15,26 0-31,-25 0 16,0 0-1,49 0-15,0 0 16,-49 0 0,0 0-16,0 0 15,0 0 1,0 0-16,-1 0 16,1 0-16,0 0 46,0 0-30,0 0 0,-1 0-16,1 0 15,0 0 1,25 0 203,-1 0-219,-24 0 15,0 0 1,24 0 0,-24 0 30</inkml:trace>
+  <inkml:trace contextRef="#ctx0" brushRef="#br0" timeOffset="28784.0883">9897 15627 0,'25'0'172,"0"50"-157,49-26-15,-24 1 16,-25-25 31,-1 0-32,1 0 1,0 25 0,-25 0-1,50 0-15,-26-25 32,1 0 14,0 0-30,0 0 31,0 0-31,-1-25-1,1 25-15,0-25 16,25 25-16,24-25 15,0-24-15,-24 24 16,24 0-16,-24 25 16,0-25-16,24-24 15,-24 24-15,-26 0 16,26 25-16,-25 0 16,0 0-1,24-50 1,-24 50-1,-25-24 1,25 24 0,0-25-1,0 25 1,-1 0 31,-24-25-47</inkml:trace>
+  <inkml:trace contextRef="#ctx0" brushRef="#br0" timeOffset="32727.4959">18455 6201 0,'49'0'94,"1"0"-78,24 50-16,26 24 15,24 100 1,0-50-16,-50 49 15,100 76-15,-125-175 16,26 50-16,24 25 16,-50-100-16,51 26 15,-26 49 1,-24-75-16,-25-49 62,24 0-62,1 0 16,-1-24 15,26-76-31,-26 51 16,51-50-16,24-75 16,24 0-1,-48 26-15,-26 23 16,75-73-16,-75 74 15,26-50-15,-26 75 0,0 0 16,-49 25 0,0 24-16,25-24 15,-26 49 1</inkml:trace>
+  <inkml:trace contextRef="#ctx0" brushRef="#br0" timeOffset="47535.3415">10616 11782 0,'0'25'188,"0"0"-173,-24 0 1,-26-25 0,25 0-1,0 0 1,-24 0 0,-1 49-16,25-49 31,1 0-31,-1 0 15,-25 0 1,1 25 0,24-25-1,-25 0 1,25 0-16,1 0 16,-26 25-16,25-25 15,0 0 1,-49 25-16,24-25 15,1 49 1,24-49-16,-25 0 0,1 0 16,-1 0-16,25 0 15,0 25-15,1-25 16,-26 0 0,0 0-16,26 0 15,-51 0 1,50 0-16,1 0 15,-26 0-15,25 0 16,0 0 0,1 0-1,-1 0 1,0 0 15,0 25-15,0 0 124,25-1-140,0 26 16,0 25-16,0-26 16,-24 26-16,24-26 15,0 26-15,0-51 16,0 51-16,-50-26 16,50 26-1,0-50-15,0-1 16,-25 51-1,25-50 1,0 24 15,0-24-31,0 0 16,0 24 0,0-24-1,0 0-15,0 25 16,-25-1-1,25-24 1,0 25-16,0-25 16,0-1-1,0 26-15,0-25 32,0 0 14,0-1 17,25-24-32,0 0-15,0 0 15,0 0-15,-1 0 15,1 0-31,0 0 16,0 0-1,0 0-15,-1 0 16,26 0-16,-25 0 15,0 0 1,24-49 0,-24 49-1,0 0-15,0 0 16,24 0-16,-24 0 16,25 0-16,-26-25 15,26 25-15,0 0 16,24-25-16,-49 25 15,24 0-15,-24 0 16,0 0 0,25 0-16,-26 0 15,51 0 1,-50 0 0,0 0-16,-1 0 15,1 0 1,0 0-16,25 0 15,-26 0-15,1 0 16,0 0-16,49 0 16,-24 0-16,24 0 15,-24 0 1,24 0-16,-49 0 16,25 0-16,-1 0 15,26 0-15,-50 0 16,24 0-16,26 0 15,-51 0 1,51 0-16,-26 0 16,26 0-16,24 0 15,-49 25-15,24-25 16,1 25-16,-1-25 16,-49 0-1,0 25-15,24-25 16,-24 0-1,0 0-15,24 0 32,-24 0-17,0 0 1,49 0-16,-49 0 16,50 0-16,49 0 15,-100 0 1,51 0-16,-25 0 15,49 24-15,-50-24 16,26 0-16,-26 0 16,1 0-16,0 0 15,24 0-15,-49 0 16,49 0-16,-49 0 16,0 0-16,24 0 15,-24 0-15,0 0 16,0 0-16,24 0 15,-24 0-15,0 0 16,49 0 0,-49 0-1,25 0 1,-25 0-16,24 0 16,-24 0-16,25-49 15,-25 24 1,24 25-16,1 0 15,-1 0 1,1-25-16,0 0 16,-26 1-1,1-1 1,0-25 93,-25 0-109,0-24 16,25 0 0,-25-1-1,0 26-15,0-26 16,0 26-16,0-26 15,0 50-15,0-49 16,0 49 0,0-49-16,0 24 15,0 25-15,0 1 16,0-1-16,0-25 16,0-24-16,0 49 15,0-25-15,0 25 16,0 1-16,0-26 15,0 25 17,0 0-17,0-24 1,0 24-16,0 0 16,0 0-16,0 1 15,0-1 1,0 0-16,0 0 15,-25 25 1,0-25 0,0 1-16,1-1 15,-26 0 1,25 0 0,-24 25-1,-1-49 16,0 49 16,26 0-31,-1 0 0,-25 0 30,25 0-30,-24 0-16,24 0 16,-25 0-1,-24 0 1,49 0 0,-49 0-16,24 0 15,-24 0 1,-75 0-1,124 0-15,-99 0 16,50 0 0,49 0-1,-25 0 1,25 0 0,1 0-16,-26 0 31,25 0-16,-24 0-15,24 0 16,0 0 0,-25 0-1,25 0 1,-24 0-16,24 0 16,-49 0-16,49 0 15,-25 0 1,1 0-16,-1 0 15,0 0 1,26 0-16,-51 24 16,50-24-16,-24 0 15,-1 0-15,1 25 16,-1-25-16,0 0 16,1 0-1,-1 0-15,-49 50 16,24-50-1,26 25 1,-26-25 0,51 0-16,-1 0 15,-25 0 1,1 24 0,-1-24-1,25 25 32,0-25 16,-24 50-1,24-50-46,0 0 31,0 0-32,1 0 1,-1 0 78,0 0-16,-49 25-63,49-25 110</inkml:trace>
+  <inkml:trace contextRef="#ctx0" brushRef="#br0" timeOffset="54943.293">9401 13965 0,'0'-25'343,"25"25"-327,0 0 0,-25-25-1,49-24 17,-24 24-17,0 0 16,0 25-15,-1-25 31,1 1-47,0-1 16,0 0-1,0 25 16,-1 0 1,26-50-17,-25 26 17,-25-1-17,25 25 1,-1-25 31,1 25-32,0-25 17,0 0-1,24 1 0,-24-1 63,0 0-79,0 0 1,0 0 31,0 1 203,-1-1-234,1 0 30,25 0 314,-25 0-345,24-24 1</inkml:trace>
+  <inkml:trace contextRef="#ctx0" brushRef="#br0" timeOffset="68543.9157">13618 11609 0,'49'-50'187,"51"-24"-171,24 24 0,124-99-16,-149 75 15,-25 24 1,50 0-16,-49 1 16,24-1-16,-49 25 0,49-49 15,-74 49 1,24 0-16,1-24 15,-1 24-15,75-25 0,-49-24 16,24 24 0,25 26-16,-49-51 15,49 26-15,-100 49 16,150-124 0,-100 99-16,-49 25 15,74-75-15,-49 51 16,24-1-1,1-25-15,-1 1 16,-24 24 0,24 0-16,75-74 15,-50 49 1,-24 0-16,24-24 16,-49 24-16,-1 26 15,1-26-15,74-24 16,-50 49-1,1-25-15,-51 25 16,1 25 0,25-24-16,24-1 15,-49 0-15,0 0 16,49 0-16,1 1 16,-50 24-16,-1-25 15,26-25 1,0 50-16,-1-25 15,1 25-15,-25-24 16,-1 24 0,1-25-16,25 25 15,-25-25-15,24 0 16,1 0-16,74-49 16,0-1-16,-25 1 15,0 49-15,75-49 16,-100 24-1,-24 25-15,49 1 0,-49-1 16,-1 0-16,-24 0 16,0 25-16,0 0 15,0 0-15,-1 0 16,1-25 0,74-24-16,-49 24 15,0 0 1,24 0-16,0-24 15,1-1 1,-25 25-16,49-24 16,-50 24-1,-24 25 1,0-25 0,-25 0-1,25 25 1,24-24-16,1 24 31,-25-25-31,0 0 31,-1 25 1,1-25-1,25 0 0,-1-24 0,-24 24 16</inkml:trace>
+  <inkml:trace contextRef="#ctx0" brushRef="#br0" timeOffset="73038.4147">13320 12650 0,'25'0'94,"0"0"-79,24 25 1,51 50-16,-51-26 0,50 75 15,25-49-15,-74-26 16,74 50-16,-50-24 16,100 49-16,-124-74 15,49 74-15,-25-100 16,125 125 0,-125-99-1,75 24-15,-75-49 16,-74 0-1,25-25-15,0 25 16,0-25-16,0 0 16,-25 24-1,24-24-15,1 0 32,25 25 14</inkml:trace>
+  <inkml:trace contextRef="#ctx0" brushRef="#br0" timeOffset="74786.5756">14312 14188 0,'25'75'141,"-25"-1"-141,0 1 16,0 148-1,0-198-15,0 49 16,0-24-16,0 24 16,0-49-1</inkml:trace>
+  <inkml:trace contextRef="#ctx0" brushRef="#br0" timeOffset="76446.9292">14213 14362 0,'0'-25'32,"0"-49"-32,0 49 15,0 0 16,0-25-15,50 1 78,-26 49 15,1 0-93,25 0-1,0 0-15,24 0 16,-49 0 0,0 25-1,-1-25 1,1 24 78,0-24-79,-25 25 1,25 25 0,-25-25-1,0-1-15,0 1 16,0 0-1,0 0-15,0 25 16,0-26 0,0 1 15,0 25 0,-25-1 32,0-49-16,0 0-47,-24 0 31,49 25-16,-25-25 17,0 25-17,0 0 1,1-25 15,-26 25 125,0-25-93,25 0 15</inkml:trace>
+  <inkml:trace contextRef="#ctx0" brushRef="#br0" timeOffset="78974.0812">15131 14387 0,'25'0'265,"-1"49"-249,-24-24 0,25 50-1,0-75-15,-25 24 16,0 26 0,0-25-1,0 0 63,25 74-62,-25-74-16,0-1 16,25 1-16,-25 0 15,0 0 1,0 24-1,24-49 17,1 0 218,-25-49-235,0-1 1,0-24-16,0 49 16,0 0-16,0-24 0,0 24 31,0 0-31,0 0 15,-25 0 1,1 1 15,-1-1-15,0 0 0,0 0 15,-24 25-16,24 0 204,25-25-203,0 1-1,25-1-15,-1 0 16,100-50 0,-99 51-1,75-76-15,-51 76 0,26-1 16,-1 0-16,-49 25 16,-25-25-16,25 25 15,-1 0-15,26-25 16,0 25-1,-26 0 79,26 0-78,0 50-1,-50-25-15,24 0 16,1-1-16,-25 1 16,0 0-16,25 49 15,0-74-15,0 25 16,-1 25-16,-24-25 16,25 24-1,0-24-15,0 0 16,0 25-16,-1-26 15,-24 1-15,25 25 16,25-1 0,-50-24-1,0 0 1</inkml:trace>
+  <inkml:trace contextRef="#ctx0" brushRef="#br0" timeOffset="79942.5944">16371 14238 0,'25'-25'47,"25"25"-15,-26 0-17,51 74 1,-75-24-1,49 0-15,26 24 16,-26 1-16,1-26 16,-50-24-16,50 74 15,-26-74-15,1-25 16,25 0 109,-1 0-125,1-25 16,24-148-16,50 49 15,-74 74-15,49-99 16,-49 75-1,24-26-15,-49 51 16,25-1-16,-25-24 0,-1 49 16,1 0-1,0 0-15,-25 1 16,25 24-16</inkml:trace>
+  <inkml:trace contextRef="#ctx0" brushRef="#br0" timeOffset="81048.0723">14114 16123 0,'0'74'125,"0"1"-125,0 24 16,0 50-16,0-75 15,0 1 1,0-1-16,0-24 15,0-25-15,0-1 16,0 1 0,0-50 93</inkml:trace>
+  <inkml:trace contextRef="#ctx0" brushRef="#br0" timeOffset="82230.1551">13866 15825 0,'0'-49'15,"0"24"1,25 0 46,-1 0-30,1 25-1,0 0 16,25 0-32,-1 0 1,1 0 0,-1 0-16,26 75 15,-50-50-15,74 24 16,-49 1-16,-1-1 15,1-24-15,-25 0 16,-1 0-16,-24 0 16,25-1-1,0 1-15,25 25 32,-50-25-32,0-1 15,0 1-15,24 0 16,-24 0-16,0 0 15,0 24 1,0-24 0,-24 25-16,24-25 15,-25-1 1,0 26 15,0-50-15,0 0 15,1 0-31,-26 0 16,25 0-1,0 0-15,-24 0 16,24 0 0,0 0-1,-25 0 1,26 0-16,-1 0 31,-25 0-31,25 0 16,1 0-1,-26-25 1,25 25 0</inkml:trace>
+  <inkml:trace contextRef="#ctx0" brushRef="#br0" timeOffset="83223.9757">15131 16123 0,'25'0'47,"-1"0"-47,1 0 16,0 0-16,0 25 15,0 24-15,-25-24 16,0 25-16,49-1 16,-49-24-1,25 25 1,-25-25-16,25 24 15,0-24-15,-25 0 16,25 0 0,24 24 15,-24-49-31,0 0 16,24 0 15,-24 0-16,0 0 17,0 0-32,0 0 15,24 0-15,26-24 16,-26-1-16,75-99 16,-49 74-16,24-24 15,-25 24 1,-49 0-1,-25 26-15,25-51 16,24 26-16,-49 24 0,0 0 16,0 0-1,0 0-15,0 1 32,0-1-17</inkml:trace>
+  <inkml:trace contextRef="#ctx0" brushRef="#br0" timeOffset="85006.0304">16470 15180 0,'25'-24'62,"25"24"-30,-1 24-17,1 26-15,24 74 16,-49-49-1,74-1 1,-74 0-16,50 75 0,-51-74 16,1-26-16,0 26 15,-25-1-15,50-24 16,-50-1-16,24 26 16,-24-26-1,25-24-15,-25 0 0,0 0 16,0-50 156,0-50-172,0 1 15,0-50 1,0 74-16,0-49 16,-25 50-1,25-1 1,0 0-1,0 26-15,0-26 16,0 25 0,0-24 15,0 24-15,25 25 109,0 0-110,0 0 1,24 0-16,1 0 15,0 25-15,-26-1 16,1 26 0,25-25-16,-25 0 15,24-1-15,1 26 16,0 0 0,-1 24-1,-24-24 1,0-1-1,-25-24 1,0 0 0,0 24-1,0-24 1,0 0 0,0 25-1,-25-1 32,0-24-31,0-25-1,1 50 1,-26-50 0,25 0-16,-25 0 15,26 0 1,-1 0-16,-50 0 15,51 0 1,-26 0 0,0 0-16,26-25 15,-26 0 17,25 0-17,0 0 1,-24 1 31,24 24-16</inkml:trace>
+  <inkml:trace contextRef="#ctx0" brushRef="#br0" timeOffset="87854.8961">12427 13246 0,'0'-25'125,"0"0"-109,25 0 0,0 0-16,0 1 15,-1 24-15,-24-25 16,75-50-16,-50 75 16,-25-24-1,-25 24 251</inkml:trace>
+  <inkml:trace contextRef="#ctx0" brushRef="#br0" timeOffset="114903.0184">3845 14064 0,'0'25'16,"25"0"-1,-25 0 1,24 24 0,-24-24-1,50 49 1,-50-24-1,0-25-15,25 49 16,-25-49-16,25 0 16,-25 25-16,24-26 15,26 51 1,-25-50 0,-25-1-1,25 1-15,-1-25 16,1 25-1,0-25 17,-25 25 15,25-25-32,0 0 1,49-50-1,0-24-15,-49 49 16,-25 0 0,75-24-16,-26-1 15,1 25-15,-1-24 16,1 24 0,0-50-16,-26 50 15,26 1-15,0-26 16,-25 50-16,-1-50 15,1 26 1,25-26-16,-25 50 16,-1-25-1</inkml:trace>
+  <inkml:trace contextRef="#ctx0" brushRef="#br0" timeOffset="150486.2124">6573 7565 0,'0'25'172,"0"25"-157,25-25 1,0-25 0,24 24-16,1 1 15,0 25 1,-26-50-16,1 25 15,0-25 1,0 0-16,0 0 16,0 0-16,-1 0 15,26 24 1,-25-24 0,0 0-1,24 0-15,-24 0 16,0 0-1,24 0-15,1 0 16,24 0-16,-49 0 16,50 0-1,-1 0-15,0 0 16,-24 0-16,49 0 16,-24 0-16,-26 0 15,26-24-15,-26 24 16,-24 0-16,25 0 15,-25 0-15,-1 0 0,26 0 16,-25 0 0,0 0-1,24 0-15,1 0 16,-25 0-16,24 0 16,-24 0-16,0 0 15,49 0 1,-49 0-1,25 0-15,-1 0 0,26 0 16,-51 0-16,1 0 16,50 0-16,-51 0 15,1 0-15,25 0 16,49 0 0,-74 0-1,0 0-15,24 0 16,75 0-1,50 0 1,-75 0 0,50 0-16,0-25 15,-124 25-15,99 0 0,-50 0 16,-49 0-16,0 0 16,0-25 124,-1 25-124</inkml:trace>
+  <inkml:trace contextRef="#ctx0" brushRef="#br0" timeOffset="157861.9592">7144 7739 0,'0'0'0,"0"-50"78</inkml:trace>
+  <inkml:trace contextRef="#ctx0" brushRef="#br0" timeOffset="161165.6223">6325 6945 0,'25'25'63,"0"99"-48,-25-99 1,0 49-16,25 50 16,-25-99-16,49 74 0,-49-74 15,0 0 1,0 49-16,0-49 16,25 0 124,25 25-124,-26-50-16,-24 24 15,25-24-15,0 0 16,49 25 0,-49-25-16,0 0 15,49 25-15,-49-25 16,25 0-16,-25 0 16,0 0-1,24 0 16,-24 0 32,25-50 62,-26 26-125,1 24 16,25-25-16,-1-25 15,-24 25 1,0 1-16,25 24 15,-50-25 1,24 25-16,26-25 0,-25 0 16,0 0 46,-25-24-46,0 24-1,0 0-15,0-24 16,0 24-16,0 0 16,0-25-1,0 26-15,0-1 16,-25 25 0,0-50-16,0 25 15,25 1 1,-49-1-16,-1 0 15,0 0-15,26 25 16,-1 0 0,0-25-16,0 25 15,0-24-15,-24 24 16,24 0 0,0-25-1,-24 25-15,24 0 31,0 0-31,-25 0 16,25 0 0,1 0 15,-26 0-15,25 0-1,-24 25 16,-1 24-15,25-49 0,0 25-16,-24 0 15,-1 0 1,25-25 0,1 24-1,-1 1 1,0 0 46</inkml:trace>
+  <inkml:trace contextRef="#ctx0" brushRef="#br0" timeOffset="162020.963">2084 7764 0,'0'25'125,"0"-1"-109,0 51-1,0-50-15,0 49 16,0-24-16,0 24 16,24 1-1,-24-26-15,0-24 16,25 0 0,-25 0-16,0-1 15</inkml:trace>
+  <inkml:trace contextRef="#ctx0" brushRef="#br0" timeOffset="162772.5435">2480 8062 0,'0'-25'141,"25"0"-126,0 25-15,0-25 16,0 25-16,24-50 15,26 26-15,24-1 16,-74 25-16,74-25 16,-25-25-16,-24 26 15,24 24-15,-49-25 16,0 25-16</inkml:trace>
+  <inkml:trace contextRef="#ctx0" brushRef="#br0" timeOffset="164492.3118">3448 7293 0,'0'0'0,"49"0"266,-24 0-266,0 0 15,0 0 1,0 0 0,-1 0-1,1 0-15,0 0 16,0 0-16,25 0 15,-26 24 1,26 26 0,0 24-1,-26-49-15,-24 0 16,25 25-16,-25-1 16,75 50-1,-75-74-15,0 0 16,0 0-16,0 0 15,24-1-15,-24 1 110,-49 0-95,-1 0 1,25 0 0,1-25 46,-1 24 266,25 26-312,25-50-16,-1 25 0,1-25 16,50 25-16,-26 0 15,1 24-15,-1-24 16,-24-25-16,0 0 15,0 0 1,24 25-16,1-25 16,0 25-1,-50-1-15,49 1 32</inkml:trace>
+  <inkml:trace contextRef="#ctx0" brushRef="#br0" timeOffset="165031.9769">4465 7218 0,'0'0'0</inkml:trace>
+  <inkml:trace contextRef="#ctx0" brushRef="#br0" timeOffset="169315.3129">4837 6796 0,'-50'25'16,"25"-25"-16,1 0 16,-1 0-1,0 50-15,-49-25 16,24 0-16,0-1 16,1 26-1,24-50 1,0 25-16,0 0 125,50 74-94,0-99-15,0 49-16,24 1 15,-24-25-15,0 49 16,-25-24-16,25-25 16,24 24-16,-49-24 125,25 0-110,25-25 1,49 49-1,-24-24-15,49 0 16,0 74-16,-100-99 0,51 25 16,-50 0-1,-1 0 1,26-1-16,0 26 16,-26-25-1,-24 0-15,0-1 16,0 101-1,0-51 1,-49 0 0,49-49-1,-25 0-15,0 0 16,0 0 0,1-25-1,-1 24 1,0-24-16,0 0 0,0 0 15,-24 50-15,-1-50 16,25 0 0,1 0-1,-1 0-15,-25 0 16</inkml:trace>
+  <inkml:trace contextRef="#ctx0" brushRef="#br0" timeOffset="170692.9437">5531 6846 0,'0'50'47,"-49"49"-47,49-25 16,0-24-16,0 24 15,0-49-15,0 0 16,0 74 0,25-99-16,-1 25 15,1-25 48,0 0-1,25 0-46,-26-25 15,1 25-31,-25-25 16,25 1-1,25-26 1,-26 50-16,1-25 16,-25 0-1,25 1 1,-25-1 78,0 0-63,0-25-15,0 26 15,0 48 63,0 76-94,75 48 15,-51-48-15,1 48 16,0 26-16,25-75 15,-26-24-15,-24 24 16,0 25-16,0-99 16,25 49-1,-25-24-15,0-1 0,0-24 16,0 0 0,0 25 46,0-26-46,0 1-1</inkml:trace>
+</inkml:ink>
 </file>
 
 <file path=ppt/notesMasters/notesMaster1.xml><?xml version="1.0" encoding="utf-8"?>
@@ -14766,6 +14858,45 @@
           </a:prstGeom>
         </p:spPr>
       </p:pic>
+      <mc:AlternateContent xmlns:mc="http://schemas.openxmlformats.org/markup-compatibility/2006" xmlns:p14="http://schemas.microsoft.com/office/powerpoint/2010/main">
+        <mc:Choice Requires="p14">
+          <p:contentPart p14:bwMode="auto" r:id="rId3">
+            <p14:nvContentPartPr>
+              <p14:cNvPr id="8" name="Ink 7"/>
+              <p14:cNvContentPartPr/>
+              <p14:nvPr/>
+            </p14:nvContentPartPr>
+            <p14:xfrm>
+              <a:off x="1946520" y="1759320"/>
+              <a:ext cx="8465760" cy="1679040"/>
+            </p14:xfrm>
+          </p:contentPart>
+        </mc:Choice>
+        <mc:Fallback xmlns="">
+          <p:pic>
+            <p:nvPicPr>
+              <p:cNvPr id="8" name="Ink 7"/>
+              <p:cNvPicPr/>
+              <p:nvPr/>
+            </p:nvPicPr>
+            <p:blipFill>
+              <a:blip r:embed="rId4"/>
+              <a:stretch>
+                <a:fillRect/>
+              </a:stretch>
+            </p:blipFill>
+            <p:spPr>
+              <a:xfrm>
+                <a:off x="1937160" y="1749960"/>
+                <a:ext cx="8484480" cy="1697760"/>
+              </a:xfrm>
+              <a:prstGeom prst="rect">
+                <a:avLst/>
+              </a:prstGeom>
+            </p:spPr>
+          </p:pic>
+        </mc:Fallback>
+      </mc:AlternateContent>
     </p:spTree>
     <p:extLst>
       <p:ext uri="{BB962C8B-B14F-4D97-AF65-F5344CB8AC3E}">
@@ -16000,6 +16131,45 @@
           </a:p>
         </p:txBody>
       </p:sp>
+      <mc:AlternateContent xmlns:mc="http://schemas.openxmlformats.org/markup-compatibility/2006" xmlns:p14="http://schemas.microsoft.com/office/powerpoint/2010/main">
+        <mc:Choice Requires="p14">
+          <p:contentPart p14:bwMode="auto" r:id="rId3">
+            <p14:nvContentPartPr>
+              <p14:cNvPr id="8" name="Ink 7"/>
+              <p14:cNvContentPartPr/>
+              <p14:nvPr/>
+            </p14:nvContentPartPr>
+            <p14:xfrm>
+              <a:off x="750240" y="2116440"/>
+              <a:ext cx="6867000" cy="3956040"/>
+            </p14:xfrm>
+          </p:contentPart>
+        </mc:Choice>
+        <mc:Fallback xmlns="">
+          <p:pic>
+            <p:nvPicPr>
+              <p:cNvPr id="8" name="Ink 7"/>
+              <p:cNvPicPr/>
+              <p:nvPr/>
+            </p:nvPicPr>
+            <p:blipFill>
+              <a:blip r:embed="rId4"/>
+              <a:stretch>
+                <a:fillRect/>
+              </a:stretch>
+            </p:blipFill>
+            <p:spPr>
+              <a:xfrm>
+                <a:off x="740880" y="2107080"/>
+                <a:ext cx="6885720" cy="3974760"/>
+              </a:xfrm>
+              <a:prstGeom prst="rect">
+                <a:avLst/>
+              </a:prstGeom>
+            </p:spPr>
+          </p:pic>
+        </mc:Fallback>
+      </mc:AlternateContent>
     </p:spTree>
     <p:extLst>
       <p:ext uri="{BB962C8B-B14F-4D97-AF65-F5344CB8AC3E}">
